--- a/Major Project PPT 1.1.pptx
+++ b/Major Project PPT 1.1.pptx
@@ -866,7 +866,7 @@
           <a:p>
             <a:fld id="{11B549BF-109E-466A-95D4-FEF6D573C483}" type="datetimeFigureOut">
               <a:rPr lang="en-IN" smtClean="0"/>
-              <a:t>24-10-2023</a:t>
+              <a:t>17-11-2023</a:t>
             </a:fld>
             <a:endParaRPr lang="en-IN"/>
           </a:p>
@@ -1117,7 +1117,7 @@
           <a:p>
             <a:fld id="{11B549BF-109E-466A-95D4-FEF6D573C483}" type="datetimeFigureOut">
               <a:rPr lang="en-IN" smtClean="0"/>
-              <a:t>24-10-2023</a:t>
+              <a:t>17-11-2023</a:t>
             </a:fld>
             <a:endParaRPr lang="en-IN"/>
           </a:p>
@@ -1431,7 +1431,7 @@
           <a:p>
             <a:fld id="{11B549BF-109E-466A-95D4-FEF6D573C483}" type="datetimeFigureOut">
               <a:rPr lang="en-IN" smtClean="0"/>
-              <a:t>24-10-2023</a:t>
+              <a:t>17-11-2023</a:t>
             </a:fld>
             <a:endParaRPr lang="en-IN"/>
           </a:p>
@@ -1772,7 +1772,7 @@
           <a:p>
             <a:fld id="{11B549BF-109E-466A-95D4-FEF6D573C483}" type="datetimeFigureOut">
               <a:rPr lang="en-IN" smtClean="0"/>
-              <a:t>24-10-2023</a:t>
+              <a:t>17-11-2023</a:t>
             </a:fld>
             <a:endParaRPr lang="en-IN"/>
           </a:p>
@@ -2086,7 +2086,7 @@
           <a:p>
             <a:fld id="{11B549BF-109E-466A-95D4-FEF6D573C483}" type="datetimeFigureOut">
               <a:rPr lang="en-IN" smtClean="0"/>
-              <a:t>24-10-2023</a:t>
+              <a:t>17-11-2023</a:t>
             </a:fld>
             <a:endParaRPr lang="en-IN"/>
           </a:p>
@@ -2479,7 +2479,7 @@
           <a:p>
             <a:fld id="{11B549BF-109E-466A-95D4-FEF6D573C483}" type="datetimeFigureOut">
               <a:rPr lang="en-IN" smtClean="0"/>
-              <a:t>24-10-2023</a:t>
+              <a:t>17-11-2023</a:t>
             </a:fld>
             <a:endParaRPr lang="en-IN"/>
           </a:p>
@@ -2649,7 +2649,7 @@
           <a:p>
             <a:fld id="{11B549BF-109E-466A-95D4-FEF6D573C483}" type="datetimeFigureOut">
               <a:rPr lang="en-IN" smtClean="0"/>
-              <a:t>24-10-2023</a:t>
+              <a:t>17-11-2023</a:t>
             </a:fld>
             <a:endParaRPr lang="en-IN"/>
           </a:p>
@@ -2829,7 +2829,7 @@
           <a:p>
             <a:fld id="{11B549BF-109E-466A-95D4-FEF6D573C483}" type="datetimeFigureOut">
               <a:rPr lang="en-IN" smtClean="0"/>
-              <a:t>24-10-2023</a:t>
+              <a:t>17-11-2023</a:t>
             </a:fld>
             <a:endParaRPr lang="en-IN"/>
           </a:p>
@@ -3612,7 +3612,7 @@
           <a:p>
             <a:fld id="{11B549BF-109E-466A-95D4-FEF6D573C483}" type="datetimeFigureOut">
               <a:rPr lang="en-IN" smtClean="0"/>
-              <a:t>24-10-2023</a:t>
+              <a:t>17-11-2023</a:t>
             </a:fld>
             <a:endParaRPr lang="en-IN"/>
           </a:p>
@@ -3788,7 +3788,7 @@
           <a:p>
             <a:fld id="{11B549BF-109E-466A-95D4-FEF6D573C483}" type="datetimeFigureOut">
               <a:rPr lang="en-IN" smtClean="0"/>
-              <a:t>24-10-2023</a:t>
+              <a:t>17-11-2023</a:t>
             </a:fld>
             <a:endParaRPr lang="en-IN"/>
           </a:p>
@@ -4035,7 +4035,7 @@
           <a:p>
             <a:fld id="{11B549BF-109E-466A-95D4-FEF6D573C483}" type="datetimeFigureOut">
               <a:rPr lang="en-IN" smtClean="0"/>
-              <a:t>24-10-2023</a:t>
+              <a:t>17-11-2023</a:t>
             </a:fld>
             <a:endParaRPr lang="en-IN"/>
           </a:p>
@@ -4211,7 +4211,7 @@
           <a:p>
             <a:fld id="{11B549BF-109E-466A-95D4-FEF6D573C483}" type="datetimeFigureOut">
               <a:rPr lang="en-IN" smtClean="0"/>
-              <a:t>24-10-2023</a:t>
+              <a:t>17-11-2023</a:t>
             </a:fld>
             <a:endParaRPr lang="en-IN"/>
           </a:p>
@@ -4443,7 +4443,7 @@
           <a:p>
             <a:fld id="{11B549BF-109E-466A-95D4-FEF6D573C483}" type="datetimeFigureOut">
               <a:rPr lang="en-IN" smtClean="0"/>
-              <a:t>24-10-2023</a:t>
+              <a:t>17-11-2023</a:t>
             </a:fld>
             <a:endParaRPr lang="en-IN"/>
           </a:p>
@@ -4817,7 +4817,7 @@
           <a:p>
             <a:fld id="{11B549BF-109E-466A-95D4-FEF6D573C483}" type="datetimeFigureOut">
               <a:rPr lang="en-IN" smtClean="0"/>
-              <a:t>24-10-2023</a:t>
+              <a:t>17-11-2023</a:t>
             </a:fld>
             <a:endParaRPr lang="en-IN"/>
           </a:p>
@@ -4940,7 +4940,7 @@
           <a:p>
             <a:fld id="{11B549BF-109E-466A-95D4-FEF6D573C483}" type="datetimeFigureOut">
               <a:rPr lang="en-IN" smtClean="0"/>
-              <a:t>24-10-2023</a:t>
+              <a:t>17-11-2023</a:t>
             </a:fld>
             <a:endParaRPr lang="en-IN"/>
           </a:p>
@@ -5035,7 +5035,7 @@
           <a:p>
             <a:fld id="{11B549BF-109E-466A-95D4-FEF6D573C483}" type="datetimeFigureOut">
               <a:rPr lang="en-IN" smtClean="0"/>
-              <a:t>24-10-2023</a:t>
+              <a:t>17-11-2023</a:t>
             </a:fld>
             <a:endParaRPr lang="en-IN"/>
           </a:p>
@@ -5290,7 +5290,7 @@
           <a:p>
             <a:fld id="{11B549BF-109E-466A-95D4-FEF6D573C483}" type="datetimeFigureOut">
               <a:rPr lang="en-IN" smtClean="0"/>
-              <a:t>24-10-2023</a:t>
+              <a:t>17-11-2023</a:t>
             </a:fld>
             <a:endParaRPr lang="en-IN"/>
           </a:p>
@@ -5553,7 +5553,7 @@
           <a:p>
             <a:fld id="{11B549BF-109E-466A-95D4-FEF6D573C483}" type="datetimeFigureOut">
               <a:rPr lang="en-IN" smtClean="0"/>
-              <a:t>24-10-2023</a:t>
+              <a:t>17-11-2023</a:t>
             </a:fld>
             <a:endParaRPr lang="en-IN"/>
           </a:p>
@@ -5804,7 +5804,7 @@
           <a:p>
             <a:fld id="{11B549BF-109E-466A-95D4-FEF6D573C483}" type="datetimeFigureOut">
               <a:rPr lang="en-IN" smtClean="0"/>
-              <a:t>24-10-2023</a:t>
+              <a:t>17-11-2023</a:t>
             </a:fld>
             <a:endParaRPr lang="en-IN"/>
           </a:p>
@@ -6118,7 +6118,7 @@
           <a:p>
             <a:fld id="{11B549BF-109E-466A-95D4-FEF6D573C483}" type="datetimeFigureOut">
               <a:rPr lang="en-IN" smtClean="0"/>
-              <a:t>24-10-2023</a:t>
+              <a:t>17-11-2023</a:t>
             </a:fld>
             <a:endParaRPr lang="en-IN"/>
           </a:p>
@@ -6459,7 +6459,7 @@
           <a:p>
             <a:fld id="{11B549BF-109E-466A-95D4-FEF6D573C483}" type="datetimeFigureOut">
               <a:rPr lang="en-IN" smtClean="0"/>
-              <a:t>24-10-2023</a:t>
+              <a:t>17-11-2023</a:t>
             </a:fld>
             <a:endParaRPr lang="en-IN"/>
           </a:p>
@@ -6773,7 +6773,7 @@
           <a:p>
             <a:fld id="{11B549BF-109E-466A-95D4-FEF6D573C483}" type="datetimeFigureOut">
               <a:rPr lang="en-IN" smtClean="0"/>
-              <a:t>24-10-2023</a:t>
+              <a:t>17-11-2023</a:t>
             </a:fld>
             <a:endParaRPr lang="en-IN"/>
           </a:p>
@@ -7102,7 +7102,7 @@
           <a:p>
             <a:fld id="{11B549BF-109E-466A-95D4-FEF6D573C483}" type="datetimeFigureOut">
               <a:rPr lang="en-IN" smtClean="0"/>
-              <a:t>24-10-2023</a:t>
+              <a:t>17-11-2023</a:t>
             </a:fld>
             <a:endParaRPr lang="en-IN"/>
           </a:p>
@@ -7413,7 +7413,7 @@
           <a:p>
             <a:fld id="{11B549BF-109E-466A-95D4-FEF6D573C483}" type="datetimeFigureOut">
               <a:rPr lang="en-IN" smtClean="0"/>
-              <a:t>24-10-2023</a:t>
+              <a:t>17-11-2023</a:t>
             </a:fld>
             <a:endParaRPr lang="en-IN"/>
           </a:p>
@@ -7583,7 +7583,7 @@
           <a:p>
             <a:fld id="{11B549BF-109E-466A-95D4-FEF6D573C483}" type="datetimeFigureOut">
               <a:rPr lang="en-IN" smtClean="0"/>
-              <a:t>24-10-2023</a:t>
+              <a:t>17-11-2023</a:t>
             </a:fld>
             <a:endParaRPr lang="en-IN"/>
           </a:p>
@@ -7763,7 +7763,7 @@
           <a:p>
             <a:fld id="{11B549BF-109E-466A-95D4-FEF6D573C483}" type="datetimeFigureOut">
               <a:rPr lang="en-IN" smtClean="0"/>
-              <a:t>24-10-2023</a:t>
+              <a:t>17-11-2023</a:t>
             </a:fld>
             <a:endParaRPr lang="en-IN"/>
           </a:p>
@@ -7995,7 +7995,7 @@
           <a:p>
             <a:fld id="{11B549BF-109E-466A-95D4-FEF6D573C483}" type="datetimeFigureOut">
               <a:rPr lang="en-IN" smtClean="0"/>
-              <a:t>24-10-2023</a:t>
+              <a:t>17-11-2023</a:t>
             </a:fld>
             <a:endParaRPr lang="en-IN"/>
           </a:p>
@@ -8369,7 +8369,7 @@
           <a:p>
             <a:fld id="{11B549BF-109E-466A-95D4-FEF6D573C483}" type="datetimeFigureOut">
               <a:rPr lang="en-IN" smtClean="0"/>
-              <a:t>24-10-2023</a:t>
+              <a:t>17-11-2023</a:t>
             </a:fld>
             <a:endParaRPr lang="en-IN"/>
           </a:p>
@@ -8492,7 +8492,7 @@
           <a:p>
             <a:fld id="{11B549BF-109E-466A-95D4-FEF6D573C483}" type="datetimeFigureOut">
               <a:rPr lang="en-IN" smtClean="0"/>
-              <a:t>24-10-2023</a:t>
+              <a:t>17-11-2023</a:t>
             </a:fld>
             <a:endParaRPr lang="en-IN"/>
           </a:p>
@@ -8587,7 +8587,7 @@
           <a:p>
             <a:fld id="{11B549BF-109E-466A-95D4-FEF6D573C483}" type="datetimeFigureOut">
               <a:rPr lang="en-IN" smtClean="0"/>
-              <a:t>24-10-2023</a:t>
+              <a:t>17-11-2023</a:t>
             </a:fld>
             <a:endParaRPr lang="en-IN"/>
           </a:p>
@@ -8842,7 +8842,7 @@
           <a:p>
             <a:fld id="{11B549BF-109E-466A-95D4-FEF6D573C483}" type="datetimeFigureOut">
               <a:rPr lang="en-IN" smtClean="0"/>
-              <a:t>24-10-2023</a:t>
+              <a:t>17-11-2023</a:t>
             </a:fld>
             <a:endParaRPr lang="en-IN"/>
           </a:p>
@@ -9105,7 +9105,7 @@
           <a:p>
             <a:fld id="{11B549BF-109E-466A-95D4-FEF6D573C483}" type="datetimeFigureOut">
               <a:rPr lang="en-IN" smtClean="0"/>
-              <a:t>24-10-2023</a:t>
+              <a:t>17-11-2023</a:t>
             </a:fld>
             <a:endParaRPr lang="en-IN"/>
           </a:p>
@@ -9848,7 +9848,7 @@
           <a:p>
             <a:fld id="{11B549BF-109E-466A-95D4-FEF6D573C483}" type="datetimeFigureOut">
               <a:rPr lang="en-IN" smtClean="0"/>
-              <a:t>24-10-2023</a:t>
+              <a:t>17-11-2023</a:t>
             </a:fld>
             <a:endParaRPr lang="en-IN"/>
           </a:p>
@@ -11037,7 +11037,7 @@
           <a:p>
             <a:fld id="{11B549BF-109E-466A-95D4-FEF6D573C483}" type="datetimeFigureOut">
               <a:rPr lang="en-IN" smtClean="0"/>
-              <a:t>24-10-2023</a:t>
+              <a:t>17-11-2023</a:t>
             </a:fld>
             <a:endParaRPr lang="en-IN"/>
           </a:p>
@@ -14143,10 +14143,10 @@
       </p:sp>
       <p:pic>
         <p:nvPicPr>
-          <p:cNvPr id="6" name="Picture 5">
+          <p:cNvPr id="4" name="Picture 3">
             <a:extLst>
               <a:ext uri="{FF2B5EF4-FFF2-40B4-BE49-F238E27FC236}">
-                <a16:creationId xmlns:a16="http://schemas.microsoft.com/office/drawing/2014/main" id="{1AC5EE59-4BCD-99A8-3100-D42FC57F2F20}"/>
+                <a16:creationId xmlns:a16="http://schemas.microsoft.com/office/drawing/2014/main" id="{58510ECA-9904-2CBD-0359-C900841AD2A3}"/>
               </a:ext>
             </a:extLst>
           </p:cNvPr>
@@ -14169,8 +14169,8 @@
         </p:blipFill>
         <p:spPr>
           <a:xfrm>
-            <a:off x="1697788" y="1259304"/>
-            <a:ext cx="6716295" cy="5037221"/>
+            <a:off x="2117556" y="1078912"/>
+            <a:ext cx="7058527" cy="5293895"/>
           </a:xfrm>
           <a:prstGeom prst="rect">
             <a:avLst/>
